--- a/working_documents/Milestone3/Inclusive Persona/KB - persona_inclusive.pptx
+++ b/working_documents/Milestone3/Inclusive Persona/KB - persona_inclusive.pptx
@@ -3594,13 +3594,8 @@
             </a:pPr>
             <a:r>
               <a:rPr lang="en-AU" sz="1200" b="1" dirty="0" smtClean="0"/>
-              <a:t>Patrick is attending Charles Darwin University (CDU) as an IT Student. He is hoping to find work as a software developer when he finishes his degree. He enjoys playing sports, and socialising with friends</a:t>
-            </a:r>
-            <a:r>
-              <a:rPr lang="en-AU" sz="1200" b="1" dirty="0" smtClean="0"/>
-              <a:t>.</a:t>
-            </a:r>
-            <a:endParaRPr lang="en-AU" sz="1200" b="1" dirty="0" smtClean="0"/>
+              <a:t>Patrick is attending Charles Darwin University (CDU) as an IT Student. He is hoping to find work as a software developer when he finishes his degree. He enjoys playing sports, and socialising with friends.</a:t>
+            </a:r>
           </a:p>
           <a:p>
             <a:pPr>
@@ -4063,43 +4058,22 @@
                   <a:schemeClr val="bg1"/>
                 </a:solidFill>
               </a:rPr>
-              <a:t>Looking for job opportunities in </a:t>
-            </a:r>
+              <a:t>Looking for job opportunities in IT</a:t>
+            </a:r>
+          </a:p>
+          <a:p>
+            <a:pPr>
+              <a:buFont typeface="Arial" pitchFamily="34" charset="0"/>
+              <a:buChar char="•"/>
+            </a:pPr>
             <a:r>
               <a:rPr lang="en-AU" sz="1100" dirty="0" smtClean="0">
                 <a:solidFill>
                   <a:schemeClr val="bg1"/>
                 </a:solidFill>
               </a:rPr>
-              <a:t>IT</a:t>
-            </a:r>
-          </a:p>
-          <a:p>
-            <a:pPr>
-              <a:buFont typeface="Arial" pitchFamily="34" charset="0"/>
-              <a:buChar char="•"/>
-            </a:pPr>
-            <a:r>
-              <a:rPr lang="en-AU" sz="1100" dirty="0" smtClean="0">
-                <a:solidFill>
-                  <a:schemeClr val="bg1"/>
-                </a:solidFill>
-              </a:rPr>
-              <a:t>Currently </a:t>
-            </a:r>
-            <a:r>
-              <a:rPr lang="en-AU" sz="1100" dirty="0" smtClean="0">
-                <a:solidFill>
-                  <a:schemeClr val="bg1"/>
-                </a:solidFill>
-              </a:rPr>
-              <a:t>recovering from motorcycle accident</a:t>
-            </a:r>
-            <a:endParaRPr lang="en-AU" sz="1100" dirty="0" smtClean="0">
-              <a:solidFill>
-                <a:schemeClr val="bg1"/>
-              </a:solidFill>
-            </a:endParaRPr>
+              <a:t>Currently recovering from motorcycle accident</a:t>
+            </a:r>
           </a:p>
         </p:txBody>
       </p:sp>
@@ -4273,11 +4247,7 @@
             </a:pPr>
             <a:r>
               <a:rPr lang="is-IS" sz="1200" dirty="0" smtClean="0"/>
-              <a:t>Review past </a:t>
-            </a:r>
-            <a:r>
-              <a:rPr lang="is-IS" sz="1200" dirty="0" smtClean="0"/>
-              <a:t>entries</a:t>
+              <a:t>Review past entries</a:t>
             </a:r>
           </a:p>
           <a:p>
@@ -4294,7 +4264,7 @@
       </p:sp>
       <p:pic>
         <p:nvPicPr>
-          <p:cNvPr id="2" name="Picture 1"/>
+          <p:cNvPr id="9" name="Picture 8"/>
           <p:cNvPicPr>
             <a:picLocks noChangeAspect="1"/>
           </p:cNvPicPr>
@@ -4314,7 +4284,7 @@
         </p:blipFill>
         <p:spPr>
           <a:xfrm>
-            <a:off x="3563888" y="294802"/>
+            <a:off x="3563888" y="274638"/>
             <a:ext cx="1080120" cy="1133934"/>
           </a:xfrm>
           <a:prstGeom prst="rect">
